--- a/lectures/Lecture 2_ Elements of closed loop systems/elements_of_closed_loop_systems.pptx
+++ b/lectures/Lecture 2_ Elements of closed loop systems/elements_of_closed_loop_systems.pptx
@@ -5,7 +5,7 @@
     <p:sldMasterId id="2147483648" r:id="rId1"/>
   </p:sldMasterIdLst>
   <p:notesMasterIdLst>
-    <p:notesMasterId r:id="rId15"/>
+    <p:notesMasterId r:id="rId16"/>
   </p:notesMasterIdLst>
   <p:sldIdLst>
     <p:sldId id="256" r:id="rId2"/>
@@ -20,14 +20,15 @@
     <p:sldId id="526" r:id="rId11"/>
     <p:sldId id="527" r:id="rId12"/>
     <p:sldId id="528" r:id="rId13"/>
-    <p:sldId id="529" r:id="rId14"/>
+    <p:sldId id="536" r:id="rId14"/>
+    <p:sldId id="529" r:id="rId15"/>
   </p:sldIdLst>
   <p:sldSz cx="9144000" cy="6858000" type="screen4x3"/>
   <p:notesSz cx="6858000" cy="9144000"/>
   <p:embeddedFontLst>
     <p:embeddedFont>
       <p:font typeface="Cambria Math" panose="02040503050406030204" pitchFamily="18" charset="0"/>
-      <p:regular r:id="rId16"/>
+      <p:regular r:id="rId17"/>
     </p:embeddedFont>
   </p:embeddedFontLst>
   <p:defaultTextStyle>
@@ -275,7 +276,7 @@
       </p15:sldGuideLst>
     </p:ext>
     <p:ext uri="http://customooxmlschemas.google.com/">
-      <go:slidesCustomData xmlns="" xmlns:mc="http://schemas.openxmlformats.org/markup-compatibility/2006" xmlns:mv="urn:schemas-microsoft-com:mac:vml" xmlns:c="http://schemas.openxmlformats.org/drawingml/2006/chart" xmlns:dgm="http://schemas.openxmlformats.org/drawingml/2006/diagram" xmlns:o="urn:schemas-microsoft-com:office:office" xmlns:v="urn:schemas-microsoft-com:vml" xmlns:pvml="urn:schemas-microsoft-com:office:powerpoint" xmlns:com="http://schemas.openxmlformats.org/drawingml/2006/compatibility" xmlns:p14="http://schemas.microsoft.com/office/powerpoint/2010/main" xmlns:p15="http://schemas.microsoft.com/office/powerpoint/2012/main" xmlns:ahyp="http://schemas.microsoft.com/office/drawing/2018/hyperlinkcolor" xmlns:go="http://customooxmlschemas.google.com/" r:id="rId43" roundtripDataSignature="AMtx7mgCuaoS/ao6GLJNkk1J/HieLCYVzQ=="/>
+      <go:slidesCustomData xmlns:go="http://customooxmlschemas.google.com/" xmlns:ahyp="http://schemas.microsoft.com/office/drawing/2018/hyperlinkcolor" xmlns:p15="http://schemas.microsoft.com/office/powerpoint/2012/main" xmlns:p14="http://schemas.microsoft.com/office/powerpoint/2010/main" xmlns:com="http://schemas.openxmlformats.org/drawingml/2006/compatibility" xmlns:pvml="urn:schemas-microsoft-com:office:powerpoint" xmlns:v="urn:schemas-microsoft-com:vml" xmlns:o="urn:schemas-microsoft-com:office:office" xmlns:dgm="http://schemas.openxmlformats.org/drawingml/2006/diagram" xmlns:c="http://schemas.openxmlformats.org/drawingml/2006/chart" xmlns:mv="urn:schemas-microsoft-com:mac:vml" xmlns:mc="http://schemas.openxmlformats.org/markup-compatibility/2006" xmlns="" r:id="rId43" roundtripDataSignature="AMtx7mgCuaoS/ao6GLJNkk1J/HieLCYVzQ=="/>
     </p:ext>
   </p:extLst>
 </p:presentation>
@@ -20893,6 +20894,2266 @@
   <p:cSld>
     <p:spTree>
       <p:nvGrpSpPr>
+        <p:cNvPr id="1" name="">
+          <a:extLst>
+            <a:ext uri="{FF2B5EF4-FFF2-40B4-BE49-F238E27FC236}">
+              <a16:creationId xmlns:a16="http://schemas.microsoft.com/office/drawing/2014/main" id="{E22FE2C5-D308-EB32-7165-5374EC15DFE5}"/>
+            </a:ext>
+          </a:extLst>
+        </p:cNvPr>
+        <p:cNvGrpSpPr/>
+        <p:nvPr/>
+      </p:nvGrpSpPr>
+      <p:grpSpPr>
+        <a:xfrm>
+          <a:off x="0" y="0"/>
+          <a:ext cx="0" cy="0"/>
+          <a:chOff x="0" y="0"/>
+          <a:chExt cx="0" cy="0"/>
+        </a:xfrm>
+      </p:grpSpPr>
+      <p:sp>
+        <p:nvSpPr>
+          <p:cNvPr id="2" name="Title 1">
+            <a:extLst>
+              <a:ext uri="{FF2B5EF4-FFF2-40B4-BE49-F238E27FC236}">
+                <a16:creationId xmlns:a16="http://schemas.microsoft.com/office/drawing/2014/main" id="{4C57DE9A-6C3D-2C98-78CD-B6AD8A771773}"/>
+              </a:ext>
+            </a:extLst>
+          </p:cNvPr>
+          <p:cNvSpPr>
+            <a:spLocks noGrp="1"/>
+          </p:cNvSpPr>
+          <p:nvPr>
+            <p:ph type="title"/>
+          </p:nvPr>
+        </p:nvSpPr>
+        <p:spPr>
+          <a:xfrm>
+            <a:off x="457200" y="228600"/>
+            <a:ext cx="4724400" cy="838200"/>
+          </a:xfrm>
+        </p:spPr>
+        <p:txBody>
+          <a:bodyPr/>
+          <a:lstStyle/>
+          <a:p>
+            <a:r>
+              <a:rPr lang="en-US" dirty="0"/>
+              <a:t>Common Controllers</a:t>
+            </a:r>
+          </a:p>
+        </p:txBody>
+      </p:sp>
+      <p:sp>
+        <p:nvSpPr>
+          <p:cNvPr id="3" name="Slide Number Placeholder 2">
+            <a:extLst>
+              <a:ext uri="{FF2B5EF4-FFF2-40B4-BE49-F238E27FC236}">
+                <a16:creationId xmlns:a16="http://schemas.microsoft.com/office/drawing/2014/main" id="{605F66BC-5977-8516-A1ED-333CE5E2BFCD}"/>
+              </a:ext>
+            </a:extLst>
+          </p:cNvPr>
+          <p:cNvSpPr>
+            <a:spLocks noGrp="1"/>
+          </p:cNvSpPr>
+          <p:nvPr>
+            <p:ph type="sldNum" idx="12"/>
+          </p:nvPr>
+        </p:nvSpPr>
+        <p:spPr/>
+        <p:txBody>
+          <a:bodyPr/>
+          <a:lstStyle/>
+          <a:p>
+            <a:pPr marL="0" lvl="0" indent="0" algn="l" rtl="0">
+              <a:spcBef>
+                <a:spcPts val="0"/>
+              </a:spcBef>
+              <a:spcAft>
+                <a:spcPts val="0"/>
+              </a:spcAft>
+              <a:buNone/>
+            </a:pPr>
+            <a:fld id="{00000000-1234-1234-1234-123412341234}" type="slidenum">
+              <a:rPr lang="en-US" smtClean="0"/>
+              <a:t>13</a:t>
+            </a:fld>
+            <a:endParaRPr lang="en-US"/>
+          </a:p>
+        </p:txBody>
+      </p:sp>
+      <mc:AlternateContent xmlns:mc="http://schemas.openxmlformats.org/markup-compatibility/2006">
+        <mc:Choice xmlns:a14="http://schemas.microsoft.com/office/drawing/2010/main" Requires="a14">
+          <p:sp>
+            <p:nvSpPr>
+              <p:cNvPr id="54" name="TextBox 53">
+                <a:extLst>
+                  <a:ext uri="{FF2B5EF4-FFF2-40B4-BE49-F238E27FC236}">
+                    <a16:creationId xmlns:a16="http://schemas.microsoft.com/office/drawing/2014/main" id="{E85551FF-933F-D6C0-9B21-9DD7768A63FA}"/>
+                  </a:ext>
+                </a:extLst>
+              </p:cNvPr>
+              <p:cNvSpPr txBox="1"/>
+              <p:nvPr/>
+            </p:nvSpPr>
+            <p:spPr>
+              <a:xfrm>
+                <a:off x="4691862" y="3187100"/>
+                <a:ext cx="503919" cy="464101"/>
+              </a:xfrm>
+              <a:prstGeom prst="rect">
+                <a:avLst/>
+              </a:prstGeom>
+              <a:noFill/>
+            </p:spPr>
+            <p:txBody>
+              <a:bodyPr wrap="none" lIns="0" tIns="0" rIns="0" bIns="0" rtlCol="0">
+                <a:spAutoFit/>
+              </a:bodyPr>
+              <a:lstStyle/>
+              <a:p>
+                <a:pPr/>
+                <a14:m>
+                  <m:oMathPara xmlns:m="http://schemas.openxmlformats.org/officeDocument/2006/math">
+                    <m:oMathParaPr>
+                      <m:jc m:val="centerGroup"/>
+                    </m:oMathParaPr>
+                    <m:oMath xmlns:m="http://schemas.openxmlformats.org/officeDocument/2006/math">
+                      <m:sSub>
+                        <m:sSubPr>
+                          <m:ctrlPr>
+                            <a:rPr lang="en-US" sz="2800" b="0" i="1" smtClean="0">
+                              <a:solidFill>
+                                <a:schemeClr val="bg1"/>
+                              </a:solidFill>
+                              <a:latin typeface="Cambria Math" panose="02040503050406030204" pitchFamily="18" charset="0"/>
+                            </a:rPr>
+                          </m:ctrlPr>
+                        </m:sSubPr>
+                        <m:e>
+                          <m:r>
+                            <a:rPr lang="en-US" sz="2800" b="0" i="1" smtClean="0">
+                              <a:solidFill>
+                                <a:schemeClr val="bg1"/>
+                              </a:solidFill>
+                              <a:latin typeface="Cambria Math" panose="02040503050406030204" pitchFamily="18" charset="0"/>
+                            </a:rPr>
+                            <m:t>𝐾</m:t>
+                          </m:r>
+                        </m:e>
+                        <m:sub>
+                          <m:r>
+                            <a:rPr lang="en-US" sz="2800" b="0" i="1" smtClean="0">
+                              <a:solidFill>
+                                <a:schemeClr val="bg1"/>
+                              </a:solidFill>
+                              <a:latin typeface="Cambria Math" panose="02040503050406030204" pitchFamily="18" charset="0"/>
+                            </a:rPr>
+                            <m:t>𝑝</m:t>
+                          </m:r>
+                        </m:sub>
+                      </m:sSub>
+                    </m:oMath>
+                  </m:oMathPara>
+                </a14:m>
+                <a:endParaRPr lang="en-US" sz="1800" dirty="0">
+                  <a:solidFill>
+                    <a:schemeClr val="bg1"/>
+                  </a:solidFill>
+                </a:endParaRPr>
+              </a:p>
+            </p:txBody>
+          </p:sp>
+        </mc:Choice>
+        <mc:Fallback>
+          <p:sp>
+            <p:nvSpPr>
+              <p:cNvPr id="54" name="TextBox 53">
+                <a:extLst>
+                  <a:ext uri="{FF2B5EF4-FFF2-40B4-BE49-F238E27FC236}">
+                    <a16:creationId xmlns:a16="http://schemas.microsoft.com/office/drawing/2014/main" id="{E85551FF-933F-D6C0-9B21-9DD7768A63FA}"/>
+                  </a:ext>
+                </a:extLst>
+              </p:cNvPr>
+              <p:cNvSpPr txBox="1">
+                <a:spLocks noRot="1" noChangeAspect="1" noMove="1" noResize="1" noEditPoints="1" noAdjustHandles="1" noChangeArrowheads="1" noChangeShapeType="1" noTextEdit="1"/>
+              </p:cNvSpPr>
+              <p:nvPr/>
+            </p:nvSpPr>
+            <p:spPr>
+              <a:xfrm>
+                <a:off x="4691862" y="3187100"/>
+                <a:ext cx="503919" cy="464101"/>
+              </a:xfrm>
+              <a:prstGeom prst="rect">
+                <a:avLst/>
+              </a:prstGeom>
+              <a:blipFill>
+                <a:blip r:embed="rId2"/>
+                <a:stretch>
+                  <a:fillRect l="-15000" r="-5000" b="-18919"/>
+                </a:stretch>
+              </a:blipFill>
+            </p:spPr>
+            <p:txBody>
+              <a:bodyPr/>
+              <a:lstStyle/>
+              <a:p>
+                <a:r>
+                  <a:rPr lang="en-US">
+                    <a:noFill/>
+                  </a:rPr>
+                  <a:t> </a:t>
+                </a:r>
+              </a:p>
+            </p:txBody>
+          </p:sp>
+        </mc:Fallback>
+      </mc:AlternateContent>
+      <p:cxnSp>
+        <p:nvCxnSpPr>
+          <p:cNvPr id="55" name="Straight Arrow Connector 54">
+            <a:extLst>
+              <a:ext uri="{FF2B5EF4-FFF2-40B4-BE49-F238E27FC236}">
+                <a16:creationId xmlns:a16="http://schemas.microsoft.com/office/drawing/2014/main" id="{B51EFC77-35E5-81DE-86D4-6C87CAA9E81D}"/>
+              </a:ext>
+            </a:extLst>
+          </p:cNvPr>
+          <p:cNvCxnSpPr>
+            <a:cxnSpLocks/>
+            <a:stCxn id="58" idx="3"/>
+            <a:endCxn id="59" idx="1"/>
+          </p:cNvCxnSpPr>
+          <p:nvPr/>
+        </p:nvCxnSpPr>
+        <p:spPr>
+          <a:xfrm flipV="1">
+            <a:off x="3760053" y="3404020"/>
+            <a:ext cx="468265" cy="8334"/>
+          </a:xfrm>
+          <a:prstGeom prst="straightConnector1">
+            <a:avLst/>
+          </a:prstGeom>
+          <a:ln>
+            <a:solidFill>
+              <a:srgbClr val="FF0000"/>
+            </a:solidFill>
+            <a:tailEnd type="triangle" w="lg" len="lg"/>
+          </a:ln>
+          <a:effectLst>
+            <a:outerShdw dist="20000" sx="1000" sy="1000" rotWithShape="0">
+              <a:srgbClr val="000000"/>
+            </a:outerShdw>
+          </a:effectLst>
+        </p:spPr>
+        <p:style>
+          <a:lnRef idx="2">
+            <a:schemeClr val="accent1"/>
+          </a:lnRef>
+          <a:fillRef idx="0">
+            <a:schemeClr val="accent1"/>
+          </a:fillRef>
+          <a:effectRef idx="1">
+            <a:schemeClr val="accent1"/>
+          </a:effectRef>
+          <a:fontRef idx="minor">
+            <a:schemeClr val="tx1"/>
+          </a:fontRef>
+        </p:style>
+      </p:cxnSp>
+      <p:sp>
+        <p:nvSpPr>
+          <p:cNvPr id="57" name="Rectangle 56">
+            <a:extLst>
+              <a:ext uri="{FF2B5EF4-FFF2-40B4-BE49-F238E27FC236}">
+                <a16:creationId xmlns:a16="http://schemas.microsoft.com/office/drawing/2014/main" id="{426D2CE2-119F-458E-9B69-6A8A5D4302F5}"/>
+              </a:ext>
+            </a:extLst>
+          </p:cNvPr>
+          <p:cNvSpPr/>
+          <p:nvPr/>
+        </p:nvSpPr>
+        <p:spPr>
+          <a:xfrm>
+            <a:off x="2405347" y="2123090"/>
+            <a:ext cx="3506423" cy="2659117"/>
+          </a:xfrm>
+          <a:prstGeom prst="rect">
+            <a:avLst/>
+          </a:prstGeom>
+          <a:noFill/>
+          <a:ln>
+            <a:solidFill>
+              <a:srgbClr val="0070C0"/>
+            </a:solidFill>
+            <a:prstDash val="dash"/>
+          </a:ln>
+        </p:spPr>
+        <p:style>
+          <a:lnRef idx="2">
+            <a:schemeClr val="accent1">
+              <a:shade val="50000"/>
+            </a:schemeClr>
+          </a:lnRef>
+          <a:fillRef idx="1">
+            <a:schemeClr val="accent1"/>
+          </a:fillRef>
+          <a:effectRef idx="0">
+            <a:schemeClr val="accent1"/>
+          </a:effectRef>
+          <a:fontRef idx="minor">
+            <a:schemeClr val="lt1"/>
+          </a:fontRef>
+        </p:style>
+        <p:txBody>
+          <a:bodyPr rtlCol="0" anchor="ctr"/>
+          <a:lstStyle/>
+          <a:p>
+            <a:pPr algn="ctr"/>
+            <a:endParaRPr lang="en-US"/>
+          </a:p>
+        </p:txBody>
+      </p:sp>
+      <mc:AlternateContent xmlns:mc="http://schemas.openxmlformats.org/markup-compatibility/2006">
+        <mc:Choice xmlns:a14="http://schemas.microsoft.com/office/drawing/2010/main" Requires="a14">
+          <p:sp>
+            <p:nvSpPr>
+              <p:cNvPr id="58" name="Rectangle 57">
+                <a:extLst>
+                  <a:ext uri="{FF2B5EF4-FFF2-40B4-BE49-F238E27FC236}">
+                    <a16:creationId xmlns:a16="http://schemas.microsoft.com/office/drawing/2014/main" id="{82F0C0B2-E3AC-23DD-AA06-D9BBA87BE203}"/>
+                  </a:ext>
+                </a:extLst>
+              </p:cNvPr>
+              <p:cNvSpPr>
+                <a:spLocks noChangeAspect="1"/>
+              </p:cNvSpPr>
+              <p:nvPr/>
+            </p:nvSpPr>
+            <p:spPr>
+              <a:xfrm>
+                <a:off x="2999720" y="3061972"/>
+                <a:ext cx="760333" cy="700764"/>
+              </a:xfrm>
+              <a:prstGeom prst="rect">
+                <a:avLst/>
+              </a:prstGeom>
+              <a:solidFill>
+                <a:srgbClr val="FF0000"/>
+              </a:solidFill>
+              <a:ln>
+                <a:solidFill>
+                  <a:srgbClr val="FF0000"/>
+                </a:solidFill>
+              </a:ln>
+            </p:spPr>
+            <p:style>
+              <a:lnRef idx="1">
+                <a:schemeClr val="accent1"/>
+              </a:lnRef>
+              <a:fillRef idx="3">
+                <a:schemeClr val="accent1"/>
+              </a:fillRef>
+              <a:effectRef idx="2">
+                <a:schemeClr val="accent1"/>
+              </a:effectRef>
+              <a:fontRef idx="minor">
+                <a:schemeClr val="lt1"/>
+              </a:fontRef>
+            </p:style>
+            <p:txBody>
+              <a:bodyPr rtlCol="0" anchor="ctr"/>
+              <a:lstStyle/>
+              <a:p>
+                <a:pPr algn="ctr"/>
+                <a:endParaRPr lang="en-US" sz="2000" i="1" dirty="0">
+                  <a:latin typeface="Cambria Math" panose="02040503050406030204" pitchFamily="18" charset="0"/>
+                </a:endParaRPr>
+              </a:p>
+              <a:p>
+                <a:pPr algn="ctr"/>
+                <a14:m>
+                  <m:oMathPara xmlns:m="http://schemas.openxmlformats.org/officeDocument/2006/math">
+                    <m:oMathParaPr>
+                      <m:jc m:val="centerGroup"/>
+                    </m:oMathParaPr>
+                    <m:oMath xmlns:m="http://schemas.openxmlformats.org/officeDocument/2006/math">
+                      <m:nary>
+                        <m:naryPr>
+                          <m:ctrlPr>
+                            <a:rPr lang="en-US" sz="2000" i="1" smtClean="0">
+                              <a:latin typeface="Cambria Math" panose="02040503050406030204" pitchFamily="18" charset="0"/>
+                            </a:rPr>
+                          </m:ctrlPr>
+                        </m:naryPr>
+                        <m:sub>
+                          <m:r>
+                            <a:rPr lang="en-US" sz="2000" i="1">
+                              <a:latin typeface="Cambria Math" panose="02040503050406030204" pitchFamily="18" charset="0"/>
+                            </a:rPr>
+                            <m:t>0</m:t>
+                          </m:r>
+                        </m:sub>
+                        <m:sup>
+                          <m:r>
+                            <a:rPr lang="en-US" sz="2000" i="1">
+                              <a:latin typeface="Cambria Math" panose="02040503050406030204" pitchFamily="18" charset="0"/>
+                            </a:rPr>
+                            <m:t>𝑡</m:t>
+                          </m:r>
+                        </m:sup>
+                        <m:e/>
+                      </m:nary>
+                    </m:oMath>
+                  </m:oMathPara>
+                </a14:m>
+                <a:endParaRPr lang="en-US" sz="2000" dirty="0"/>
+              </a:p>
+              <a:p>
+                <a:pPr algn="ctr"/>
+                <a:endParaRPr lang="en-US" sz="2000" dirty="0"/>
+              </a:p>
+            </p:txBody>
+          </p:sp>
+        </mc:Choice>
+        <mc:Fallback>
+          <p:sp>
+            <p:nvSpPr>
+              <p:cNvPr id="58" name="Rectangle 57">
+                <a:extLst>
+                  <a:ext uri="{FF2B5EF4-FFF2-40B4-BE49-F238E27FC236}">
+                    <a16:creationId xmlns:a16="http://schemas.microsoft.com/office/drawing/2014/main" id="{82F0C0B2-E3AC-23DD-AA06-D9BBA87BE203}"/>
+                  </a:ext>
+                </a:extLst>
+              </p:cNvPr>
+              <p:cNvSpPr>
+                <a:spLocks noRot="1" noChangeAspect="1" noMove="1" noResize="1" noEditPoints="1" noAdjustHandles="1" noChangeArrowheads="1" noChangeShapeType="1" noTextEdit="1"/>
+              </p:cNvSpPr>
+              <p:nvPr/>
+            </p:nvSpPr>
+            <p:spPr>
+              <a:xfrm>
+                <a:off x="2999720" y="3061972"/>
+                <a:ext cx="760333" cy="700764"/>
+              </a:xfrm>
+              <a:prstGeom prst="rect">
+                <a:avLst/>
+              </a:prstGeom>
+              <a:blipFill>
+                <a:blip r:embed="rId3"/>
+                <a:stretch>
+                  <a:fillRect/>
+                </a:stretch>
+              </a:blipFill>
+              <a:ln>
+                <a:solidFill>
+                  <a:srgbClr val="FF0000"/>
+                </a:solidFill>
+              </a:ln>
+            </p:spPr>
+            <p:txBody>
+              <a:bodyPr/>
+              <a:lstStyle/>
+              <a:p>
+                <a:r>
+                  <a:rPr lang="en-US">
+                    <a:noFill/>
+                  </a:rPr>
+                  <a:t> </a:t>
+                </a:r>
+              </a:p>
+            </p:txBody>
+          </p:sp>
+        </mc:Fallback>
+      </mc:AlternateContent>
+      <mc:AlternateContent xmlns:mc="http://schemas.openxmlformats.org/markup-compatibility/2006">
+        <mc:Choice xmlns:a14="http://schemas.microsoft.com/office/drawing/2010/main" Requires="a14">
+          <p:sp>
+            <p:nvSpPr>
+              <p:cNvPr id="59" name="Rectangle 58">
+                <a:extLst>
+                  <a:ext uri="{FF2B5EF4-FFF2-40B4-BE49-F238E27FC236}">
+                    <a16:creationId xmlns:a16="http://schemas.microsoft.com/office/drawing/2014/main" id="{51CB3EA9-3BBD-AB2E-CBB0-CD2675F0CC26}"/>
+                  </a:ext>
+                </a:extLst>
+              </p:cNvPr>
+              <p:cNvSpPr>
+                <a:spLocks noChangeAspect="1"/>
+              </p:cNvSpPr>
+              <p:nvPr/>
+            </p:nvSpPr>
+            <p:spPr>
+              <a:xfrm>
+                <a:off x="4228318" y="3053638"/>
+                <a:ext cx="760333" cy="700764"/>
+              </a:xfrm>
+              <a:prstGeom prst="rect">
+                <a:avLst/>
+              </a:prstGeom>
+              <a:solidFill>
+                <a:srgbClr val="FF0000"/>
+              </a:solidFill>
+              <a:ln>
+                <a:solidFill>
+                  <a:srgbClr val="FF0000"/>
+                </a:solidFill>
+              </a:ln>
+            </p:spPr>
+            <p:style>
+              <a:lnRef idx="1">
+                <a:schemeClr val="accent1"/>
+              </a:lnRef>
+              <a:fillRef idx="3">
+                <a:schemeClr val="accent1"/>
+              </a:fillRef>
+              <a:effectRef idx="2">
+                <a:schemeClr val="accent1"/>
+              </a:effectRef>
+              <a:fontRef idx="minor">
+                <a:schemeClr val="lt1"/>
+              </a:fontRef>
+            </p:style>
+            <p:txBody>
+              <a:bodyPr rtlCol="0" anchor="ctr"/>
+              <a:lstStyle/>
+              <a:p>
+                <a:pPr algn="ctr"/>
+                <a14:m>
+                  <m:oMathPara xmlns:m="http://schemas.openxmlformats.org/officeDocument/2006/math">
+                    <m:oMathParaPr>
+                      <m:jc m:val="centerGroup"/>
+                    </m:oMathParaPr>
+                    <m:oMath xmlns:m="http://schemas.openxmlformats.org/officeDocument/2006/math">
+                      <m:sSub>
+                        <m:sSubPr>
+                          <m:ctrlPr>
+                            <a:rPr lang="en-US" sz="2400" b="0" i="1" smtClean="0">
+                              <a:latin typeface="Cambria Math" panose="02040503050406030204" pitchFamily="18" charset="0"/>
+                            </a:rPr>
+                          </m:ctrlPr>
+                        </m:sSubPr>
+                        <m:e>
+                          <m:r>
+                            <a:rPr lang="en-US" sz="2400" b="0" i="1" smtClean="0">
+                              <a:latin typeface="Cambria Math" panose="02040503050406030204" pitchFamily="18" charset="0"/>
+                            </a:rPr>
+                            <m:t>𝑘</m:t>
+                          </m:r>
+                        </m:e>
+                        <m:sub>
+                          <m:r>
+                            <a:rPr lang="en-US" sz="2400" b="0" i="1" smtClean="0">
+                              <a:latin typeface="Cambria Math" panose="02040503050406030204" pitchFamily="18" charset="0"/>
+                            </a:rPr>
+                            <m:t>𝐼</m:t>
+                          </m:r>
+                        </m:sub>
+                      </m:sSub>
+                    </m:oMath>
+                  </m:oMathPara>
+                </a14:m>
+                <a:endParaRPr lang="en-US" sz="2400" dirty="0"/>
+              </a:p>
+            </p:txBody>
+          </p:sp>
+        </mc:Choice>
+        <mc:Fallback>
+          <p:sp>
+            <p:nvSpPr>
+              <p:cNvPr id="59" name="Rectangle 58">
+                <a:extLst>
+                  <a:ext uri="{FF2B5EF4-FFF2-40B4-BE49-F238E27FC236}">
+                    <a16:creationId xmlns:a16="http://schemas.microsoft.com/office/drawing/2014/main" id="{51CB3EA9-3BBD-AB2E-CBB0-CD2675F0CC26}"/>
+                  </a:ext>
+                </a:extLst>
+              </p:cNvPr>
+              <p:cNvSpPr>
+                <a:spLocks noRot="1" noChangeAspect="1" noMove="1" noResize="1" noEditPoints="1" noAdjustHandles="1" noChangeArrowheads="1" noChangeShapeType="1" noTextEdit="1"/>
+              </p:cNvSpPr>
+              <p:nvPr/>
+            </p:nvSpPr>
+            <p:spPr>
+              <a:xfrm>
+                <a:off x="4228318" y="3053638"/>
+                <a:ext cx="760333" cy="700764"/>
+              </a:xfrm>
+              <a:prstGeom prst="rect">
+                <a:avLst/>
+              </a:prstGeom>
+              <a:blipFill>
+                <a:blip r:embed="rId4"/>
+                <a:stretch>
+                  <a:fillRect/>
+                </a:stretch>
+              </a:blipFill>
+              <a:ln>
+                <a:solidFill>
+                  <a:srgbClr val="FF0000"/>
+                </a:solidFill>
+              </a:ln>
+            </p:spPr>
+            <p:txBody>
+              <a:bodyPr/>
+              <a:lstStyle/>
+              <a:p>
+                <a:r>
+                  <a:rPr lang="en-US">
+                    <a:noFill/>
+                  </a:rPr>
+                  <a:t> </a:t>
+                </a:r>
+              </a:p>
+            </p:txBody>
+          </p:sp>
+        </mc:Fallback>
+      </mc:AlternateContent>
+      <p:sp>
+        <p:nvSpPr>
+          <p:cNvPr id="60" name="Rectangle 59">
+            <a:extLst>
+              <a:ext uri="{FF2B5EF4-FFF2-40B4-BE49-F238E27FC236}">
+                <a16:creationId xmlns:a16="http://schemas.microsoft.com/office/drawing/2014/main" id="{FEB68375-4847-7929-E4A7-F5CCC1D73AA1}"/>
+              </a:ext>
+            </a:extLst>
+          </p:cNvPr>
+          <p:cNvSpPr>
+            <a:spLocks noChangeAspect="1"/>
+          </p:cNvSpPr>
+          <p:nvPr/>
+        </p:nvSpPr>
+        <p:spPr>
+          <a:xfrm>
+            <a:off x="3516863" y="2238426"/>
+            <a:ext cx="760333" cy="700764"/>
+          </a:xfrm>
+          <a:prstGeom prst="rect">
+            <a:avLst/>
+          </a:prstGeom>
+          <a:solidFill>
+            <a:srgbClr val="FF0000"/>
+          </a:solidFill>
+          <a:ln>
+            <a:solidFill>
+              <a:srgbClr val="FF0000"/>
+            </a:solidFill>
+          </a:ln>
+        </p:spPr>
+        <p:style>
+          <a:lnRef idx="1">
+            <a:schemeClr val="accent1"/>
+          </a:lnRef>
+          <a:fillRef idx="3">
+            <a:schemeClr val="accent1"/>
+          </a:fillRef>
+          <a:effectRef idx="2">
+            <a:schemeClr val="accent1"/>
+          </a:effectRef>
+          <a:fontRef idx="minor">
+            <a:schemeClr val="lt1"/>
+          </a:fontRef>
+        </p:style>
+        <p:txBody>
+          <a:bodyPr rtlCol="0" anchor="ctr"/>
+          <a:lstStyle/>
+          <a:p>
+            <a:pPr algn="ctr"/>
+            <a:endParaRPr lang="en-US" sz="2000" dirty="0"/>
+          </a:p>
+        </p:txBody>
+      </p:sp>
+      <mc:AlternateContent xmlns:mc="http://schemas.openxmlformats.org/markup-compatibility/2006">
+        <mc:Choice xmlns:a14="http://schemas.microsoft.com/office/drawing/2010/main" Requires="a14">
+          <p:sp>
+            <p:nvSpPr>
+              <p:cNvPr id="61" name="TextBox 60">
+                <a:extLst>
+                  <a:ext uri="{FF2B5EF4-FFF2-40B4-BE49-F238E27FC236}">
+                    <a16:creationId xmlns:a16="http://schemas.microsoft.com/office/drawing/2014/main" id="{AAD79640-0F47-C8D3-C56C-F62BCE10C26C}"/>
+                  </a:ext>
+                </a:extLst>
+              </p:cNvPr>
+              <p:cNvSpPr txBox="1"/>
+              <p:nvPr/>
+            </p:nvSpPr>
+            <p:spPr>
+              <a:xfrm>
+                <a:off x="3747906" y="2294807"/>
+                <a:ext cx="489108" cy="430887"/>
+              </a:xfrm>
+              <a:prstGeom prst="rect">
+                <a:avLst/>
+              </a:prstGeom>
+              <a:noFill/>
+            </p:spPr>
+            <p:txBody>
+              <a:bodyPr wrap="none" lIns="0" tIns="0" rIns="0" bIns="0" rtlCol="0">
+                <a:spAutoFit/>
+              </a:bodyPr>
+              <a:lstStyle/>
+              <a:p>
+                <a:pPr/>
+                <a14:m>
+                  <m:oMathPara xmlns:m="http://schemas.openxmlformats.org/officeDocument/2006/math">
+                    <m:oMathParaPr>
+                      <m:jc m:val="centerGroup"/>
+                    </m:oMathParaPr>
+                    <m:oMath xmlns:m="http://schemas.openxmlformats.org/officeDocument/2006/math">
+                      <m:sSub>
+                        <m:sSubPr>
+                          <m:ctrlPr>
+                            <a:rPr lang="en-US" sz="2800" b="0" i="1" smtClean="0">
+                              <a:solidFill>
+                                <a:schemeClr val="bg1"/>
+                              </a:solidFill>
+                              <a:latin typeface="Cambria Math" panose="02040503050406030204" pitchFamily="18" charset="0"/>
+                            </a:rPr>
+                          </m:ctrlPr>
+                        </m:sSubPr>
+                        <m:e>
+                          <m:r>
+                            <a:rPr lang="en-US" sz="2800" b="0" i="1" smtClean="0">
+                              <a:solidFill>
+                                <a:schemeClr val="bg1"/>
+                              </a:solidFill>
+                              <a:latin typeface="Cambria Math" panose="02040503050406030204" pitchFamily="18" charset="0"/>
+                            </a:rPr>
+                            <m:t>𝑘</m:t>
+                          </m:r>
+                        </m:e>
+                        <m:sub>
+                          <m:r>
+                            <a:rPr lang="en-US" sz="2800" b="0" i="1" smtClean="0">
+                              <a:solidFill>
+                                <a:schemeClr val="bg1"/>
+                              </a:solidFill>
+                              <a:latin typeface="Cambria Math" panose="02040503050406030204" pitchFamily="18" charset="0"/>
+                            </a:rPr>
+                            <m:t>𝑃</m:t>
+                          </m:r>
+                        </m:sub>
+                      </m:sSub>
+                    </m:oMath>
+                  </m:oMathPara>
+                </a14:m>
+                <a:endParaRPr lang="en-US" sz="1800" dirty="0">
+                  <a:solidFill>
+                    <a:schemeClr val="bg1"/>
+                  </a:solidFill>
+                </a:endParaRPr>
+              </a:p>
+            </p:txBody>
+          </p:sp>
+        </mc:Choice>
+        <mc:Fallback>
+          <p:sp>
+            <p:nvSpPr>
+              <p:cNvPr id="61" name="TextBox 60">
+                <a:extLst>
+                  <a:ext uri="{FF2B5EF4-FFF2-40B4-BE49-F238E27FC236}">
+                    <a16:creationId xmlns:a16="http://schemas.microsoft.com/office/drawing/2014/main" id="{AAD79640-0F47-C8D3-C56C-F62BCE10C26C}"/>
+                  </a:ext>
+                </a:extLst>
+              </p:cNvPr>
+              <p:cNvSpPr txBox="1">
+                <a:spLocks noRot="1" noChangeAspect="1" noMove="1" noResize="1" noEditPoints="1" noAdjustHandles="1" noChangeArrowheads="1" noChangeShapeType="1" noTextEdit="1"/>
+              </p:cNvSpPr>
+              <p:nvPr/>
+            </p:nvSpPr>
+            <p:spPr>
+              <a:xfrm>
+                <a:off x="3747906" y="2294807"/>
+                <a:ext cx="489108" cy="430887"/>
+              </a:xfrm>
+              <a:prstGeom prst="rect">
+                <a:avLst/>
+              </a:prstGeom>
+              <a:blipFill>
+                <a:blip r:embed="rId5"/>
+                <a:stretch>
+                  <a:fillRect l="-17949" r="-2564" b="-17143"/>
+                </a:stretch>
+              </a:blipFill>
+            </p:spPr>
+            <p:txBody>
+              <a:bodyPr/>
+              <a:lstStyle/>
+              <a:p>
+                <a:r>
+                  <a:rPr lang="en-US">
+                    <a:noFill/>
+                  </a:rPr>
+                  <a:t> </a:t>
+                </a:r>
+              </a:p>
+            </p:txBody>
+          </p:sp>
+        </mc:Fallback>
+      </mc:AlternateContent>
+      <p:sp>
+        <p:nvSpPr>
+          <p:cNvPr id="62" name="Oval 61">
+            <a:extLst>
+              <a:ext uri="{FF2B5EF4-FFF2-40B4-BE49-F238E27FC236}">
+                <a16:creationId xmlns:a16="http://schemas.microsoft.com/office/drawing/2014/main" id="{75B28D20-C9CD-02C5-BB11-741FCB2999BC}"/>
+              </a:ext>
+            </a:extLst>
+          </p:cNvPr>
+          <p:cNvSpPr/>
+          <p:nvPr/>
+        </p:nvSpPr>
+        <p:spPr>
+          <a:xfrm>
+            <a:off x="5487829" y="3245760"/>
+            <a:ext cx="301841" cy="301840"/>
+          </a:xfrm>
+          <a:prstGeom prst="ellipse">
+            <a:avLst/>
+          </a:prstGeom>
+          <a:solidFill>
+            <a:srgbClr val="FF0000"/>
+          </a:solidFill>
+          <a:ln>
+            <a:solidFill>
+              <a:srgbClr val="FF0000"/>
+            </a:solidFill>
+          </a:ln>
+        </p:spPr>
+        <p:style>
+          <a:lnRef idx="1">
+            <a:schemeClr val="accent1"/>
+          </a:lnRef>
+          <a:fillRef idx="3">
+            <a:schemeClr val="accent1"/>
+          </a:fillRef>
+          <a:effectRef idx="2">
+            <a:schemeClr val="accent1"/>
+          </a:effectRef>
+          <a:fontRef idx="minor">
+            <a:schemeClr val="lt1"/>
+          </a:fontRef>
+        </p:style>
+        <p:txBody>
+          <a:bodyPr rtlCol="0" anchor="ctr"/>
+          <a:lstStyle/>
+          <a:p>
+            <a:pPr algn="ctr"/>
+            <a:r>
+              <a:rPr lang="en-US" dirty="0"/>
+              <a:t>+</a:t>
+            </a:r>
+          </a:p>
+        </p:txBody>
+      </p:sp>
+      <p:cxnSp>
+        <p:nvCxnSpPr>
+          <p:cNvPr id="63" name="Elbow Connector 62">
+            <a:extLst>
+              <a:ext uri="{FF2B5EF4-FFF2-40B4-BE49-F238E27FC236}">
+                <a16:creationId xmlns:a16="http://schemas.microsoft.com/office/drawing/2014/main" id="{F266B96C-4FD9-A6C0-576F-8821ABC36DD7}"/>
+              </a:ext>
+            </a:extLst>
+          </p:cNvPr>
+          <p:cNvCxnSpPr>
+            <a:cxnSpLocks/>
+            <a:stCxn id="59" idx="3"/>
+            <a:endCxn id="62" idx="2"/>
+          </p:cNvCxnSpPr>
+          <p:nvPr/>
+        </p:nvCxnSpPr>
+        <p:spPr>
+          <a:xfrm flipV="1">
+            <a:off x="4988651" y="3396680"/>
+            <a:ext cx="499178" cy="7340"/>
+          </a:xfrm>
+          <a:prstGeom prst="bentConnector3">
+            <a:avLst>
+              <a:gd name="adj1" fmla="val 50000"/>
+            </a:avLst>
+          </a:prstGeom>
+          <a:ln w="28575">
+            <a:solidFill>
+              <a:srgbClr val="FF0000"/>
+            </a:solidFill>
+            <a:tailEnd type="triangle"/>
+          </a:ln>
+        </p:spPr>
+        <p:style>
+          <a:lnRef idx="1">
+            <a:schemeClr val="accent1"/>
+          </a:lnRef>
+          <a:fillRef idx="0">
+            <a:schemeClr val="accent1"/>
+          </a:fillRef>
+          <a:effectRef idx="0">
+            <a:schemeClr val="accent1"/>
+          </a:effectRef>
+          <a:fontRef idx="minor">
+            <a:schemeClr val="tx1"/>
+          </a:fontRef>
+        </p:style>
+      </p:cxnSp>
+      <p:cxnSp>
+        <p:nvCxnSpPr>
+          <p:cNvPr id="64" name="Elbow Connector 63">
+            <a:extLst>
+              <a:ext uri="{FF2B5EF4-FFF2-40B4-BE49-F238E27FC236}">
+                <a16:creationId xmlns:a16="http://schemas.microsoft.com/office/drawing/2014/main" id="{3F474ADF-519C-F117-8F57-38EA8B1B7F48}"/>
+              </a:ext>
+            </a:extLst>
+          </p:cNvPr>
+          <p:cNvCxnSpPr>
+            <a:cxnSpLocks/>
+            <a:endCxn id="58" idx="1"/>
+          </p:cNvCxnSpPr>
+          <p:nvPr/>
+        </p:nvCxnSpPr>
+        <p:spPr>
+          <a:xfrm>
+            <a:off x="2307391" y="2919731"/>
+            <a:ext cx="692329" cy="492623"/>
+          </a:xfrm>
+          <a:prstGeom prst="bentConnector3">
+            <a:avLst/>
+          </a:prstGeom>
+          <a:ln w="28575">
+            <a:solidFill>
+              <a:srgbClr val="FF0000"/>
+            </a:solidFill>
+            <a:tailEnd type="triangle"/>
+          </a:ln>
+        </p:spPr>
+        <p:style>
+          <a:lnRef idx="1">
+            <a:schemeClr val="accent1"/>
+          </a:lnRef>
+          <a:fillRef idx="0">
+            <a:schemeClr val="accent1"/>
+          </a:fillRef>
+          <a:effectRef idx="0">
+            <a:schemeClr val="accent1"/>
+          </a:effectRef>
+          <a:fontRef idx="minor">
+            <a:schemeClr val="tx1"/>
+          </a:fontRef>
+        </p:style>
+      </p:cxnSp>
+      <p:cxnSp>
+        <p:nvCxnSpPr>
+          <p:cNvPr id="65" name="Elbow Connector 64">
+            <a:extLst>
+              <a:ext uri="{FF2B5EF4-FFF2-40B4-BE49-F238E27FC236}">
+                <a16:creationId xmlns:a16="http://schemas.microsoft.com/office/drawing/2014/main" id="{66985A63-38F2-903C-9029-90C8B01B8C4A}"/>
+              </a:ext>
+            </a:extLst>
+          </p:cNvPr>
+          <p:cNvCxnSpPr>
+            <a:cxnSpLocks/>
+            <a:endCxn id="60" idx="1"/>
+          </p:cNvCxnSpPr>
+          <p:nvPr/>
+        </p:nvCxnSpPr>
+        <p:spPr>
+          <a:xfrm flipV="1">
+            <a:off x="2307391" y="2588808"/>
+            <a:ext cx="1209472" cy="362453"/>
+          </a:xfrm>
+          <a:prstGeom prst="bentConnector3">
+            <a:avLst>
+              <a:gd name="adj1" fmla="val 50000"/>
+            </a:avLst>
+          </a:prstGeom>
+          <a:ln w="28575">
+            <a:solidFill>
+              <a:srgbClr val="FF0000"/>
+            </a:solidFill>
+            <a:tailEnd type="triangle"/>
+          </a:ln>
+        </p:spPr>
+        <p:style>
+          <a:lnRef idx="1">
+            <a:schemeClr val="accent1"/>
+          </a:lnRef>
+          <a:fillRef idx="0">
+            <a:schemeClr val="accent1"/>
+          </a:fillRef>
+          <a:effectRef idx="0">
+            <a:schemeClr val="accent1"/>
+          </a:effectRef>
+          <a:fontRef idx="minor">
+            <a:schemeClr val="tx1"/>
+          </a:fontRef>
+        </p:style>
+      </p:cxnSp>
+      <p:cxnSp>
+        <p:nvCxnSpPr>
+          <p:cNvPr id="66" name="Elbow Connector 65">
+            <a:extLst>
+              <a:ext uri="{FF2B5EF4-FFF2-40B4-BE49-F238E27FC236}">
+                <a16:creationId xmlns:a16="http://schemas.microsoft.com/office/drawing/2014/main" id="{D149AB15-3935-9DBC-A628-769DA7401C1B}"/>
+              </a:ext>
+            </a:extLst>
+          </p:cNvPr>
+          <p:cNvCxnSpPr>
+            <a:cxnSpLocks/>
+            <a:stCxn id="60" idx="3"/>
+            <a:endCxn id="62" idx="0"/>
+          </p:cNvCxnSpPr>
+          <p:nvPr/>
+        </p:nvCxnSpPr>
+        <p:spPr>
+          <a:xfrm>
+            <a:off x="4277196" y="2588808"/>
+            <a:ext cx="1361554" cy="656952"/>
+          </a:xfrm>
+          <a:prstGeom prst="bentConnector2">
+            <a:avLst/>
+          </a:prstGeom>
+          <a:ln w="28575">
+            <a:solidFill>
+              <a:srgbClr val="FF0000"/>
+            </a:solidFill>
+            <a:tailEnd type="triangle"/>
+          </a:ln>
+        </p:spPr>
+        <p:style>
+          <a:lnRef idx="1">
+            <a:schemeClr val="accent1"/>
+          </a:lnRef>
+          <a:fillRef idx="0">
+            <a:schemeClr val="accent1"/>
+          </a:fillRef>
+          <a:effectRef idx="0">
+            <a:schemeClr val="accent1"/>
+          </a:effectRef>
+          <a:fontRef idx="minor">
+            <a:schemeClr val="tx1"/>
+          </a:fontRef>
+        </p:style>
+      </p:cxnSp>
+      <p:cxnSp>
+        <p:nvCxnSpPr>
+          <p:cNvPr id="67" name="Straight Arrow Connector 66">
+            <a:extLst>
+              <a:ext uri="{FF2B5EF4-FFF2-40B4-BE49-F238E27FC236}">
+                <a16:creationId xmlns:a16="http://schemas.microsoft.com/office/drawing/2014/main" id="{D52EEFEF-03B4-D041-805D-4861E95F9870}"/>
+              </a:ext>
+            </a:extLst>
+          </p:cNvPr>
+          <p:cNvCxnSpPr>
+            <a:cxnSpLocks/>
+          </p:cNvCxnSpPr>
+          <p:nvPr/>
+        </p:nvCxnSpPr>
+        <p:spPr>
+          <a:xfrm>
+            <a:off x="5825014" y="3382177"/>
+            <a:ext cx="484101" cy="0"/>
+          </a:xfrm>
+          <a:prstGeom prst="straightConnector1">
+            <a:avLst/>
+          </a:prstGeom>
+          <a:ln>
+            <a:solidFill>
+              <a:srgbClr val="FF0000"/>
+            </a:solidFill>
+            <a:tailEnd type="triangle" w="lg" len="lg"/>
+          </a:ln>
+          <a:effectLst>
+            <a:outerShdw dist="20000" sx="1000" sy="1000" rotWithShape="0">
+              <a:srgbClr val="000000"/>
+            </a:outerShdw>
+          </a:effectLst>
+        </p:spPr>
+        <p:style>
+          <a:lnRef idx="2">
+            <a:schemeClr val="accent1"/>
+          </a:lnRef>
+          <a:fillRef idx="0">
+            <a:schemeClr val="accent1"/>
+          </a:fillRef>
+          <a:effectRef idx="1">
+            <a:schemeClr val="accent1"/>
+          </a:effectRef>
+          <a:fontRef idx="minor">
+            <a:schemeClr val="tx1"/>
+          </a:fontRef>
+        </p:style>
+      </p:cxnSp>
+      <p:cxnSp>
+        <p:nvCxnSpPr>
+          <p:cNvPr id="69" name="Straight Arrow Connector 68">
+            <a:extLst>
+              <a:ext uri="{FF2B5EF4-FFF2-40B4-BE49-F238E27FC236}">
+                <a16:creationId xmlns:a16="http://schemas.microsoft.com/office/drawing/2014/main" id="{0DAC3AE1-9260-24A0-7AAE-D406BE7F50BF}"/>
+              </a:ext>
+            </a:extLst>
+          </p:cNvPr>
+          <p:cNvCxnSpPr>
+            <a:cxnSpLocks/>
+            <a:stCxn id="70" idx="3"/>
+            <a:endCxn id="71" idx="1"/>
+          </p:cNvCxnSpPr>
+          <p:nvPr/>
+        </p:nvCxnSpPr>
+        <p:spPr>
+          <a:xfrm flipV="1">
+            <a:off x="3817863" y="4271123"/>
+            <a:ext cx="468265" cy="8334"/>
+          </a:xfrm>
+          <a:prstGeom prst="straightConnector1">
+            <a:avLst/>
+          </a:prstGeom>
+          <a:ln>
+            <a:solidFill>
+              <a:srgbClr val="FF0000"/>
+            </a:solidFill>
+            <a:tailEnd type="triangle" w="lg" len="lg"/>
+          </a:ln>
+          <a:effectLst>
+            <a:outerShdw dist="20000" sx="1000" sy="1000" rotWithShape="0">
+              <a:srgbClr val="000000"/>
+            </a:outerShdw>
+          </a:effectLst>
+        </p:spPr>
+        <p:style>
+          <a:lnRef idx="2">
+            <a:schemeClr val="accent1"/>
+          </a:lnRef>
+          <a:fillRef idx="0">
+            <a:schemeClr val="accent1"/>
+          </a:fillRef>
+          <a:effectRef idx="1">
+            <a:schemeClr val="accent1"/>
+          </a:effectRef>
+          <a:fontRef idx="minor">
+            <a:schemeClr val="tx1"/>
+          </a:fontRef>
+        </p:style>
+      </p:cxnSp>
+      <mc:AlternateContent xmlns:mc="http://schemas.openxmlformats.org/markup-compatibility/2006">
+        <mc:Choice xmlns:a14="http://schemas.microsoft.com/office/drawing/2010/main" Requires="a14">
+          <p:sp>
+            <p:nvSpPr>
+              <p:cNvPr id="70" name="Rectangle 69">
+                <a:extLst>
+                  <a:ext uri="{FF2B5EF4-FFF2-40B4-BE49-F238E27FC236}">
+                    <a16:creationId xmlns:a16="http://schemas.microsoft.com/office/drawing/2014/main" id="{893AF722-07F2-6F3B-9EEC-870F60DEF9DB}"/>
+                  </a:ext>
+                </a:extLst>
+              </p:cNvPr>
+              <p:cNvSpPr>
+                <a:spLocks noChangeAspect="1"/>
+              </p:cNvSpPr>
+              <p:nvPr/>
+            </p:nvSpPr>
+            <p:spPr>
+              <a:xfrm>
+                <a:off x="3057530" y="3929075"/>
+                <a:ext cx="760333" cy="700764"/>
+              </a:xfrm>
+              <a:prstGeom prst="rect">
+                <a:avLst/>
+              </a:prstGeom>
+              <a:solidFill>
+                <a:srgbClr val="FF0000"/>
+              </a:solidFill>
+              <a:ln>
+                <a:solidFill>
+                  <a:srgbClr val="FF0000"/>
+                </a:solidFill>
+              </a:ln>
+            </p:spPr>
+            <p:style>
+              <a:lnRef idx="1">
+                <a:schemeClr val="accent1"/>
+              </a:lnRef>
+              <a:fillRef idx="3">
+                <a:schemeClr val="accent1"/>
+              </a:fillRef>
+              <a:effectRef idx="2">
+                <a:schemeClr val="accent1"/>
+              </a:effectRef>
+              <a:fontRef idx="minor">
+                <a:schemeClr val="lt1"/>
+              </a:fontRef>
+            </p:style>
+            <p:txBody>
+              <a:bodyPr rtlCol="0" anchor="ctr"/>
+              <a:lstStyle/>
+              <a:p>
+                <a:pPr algn="ctr"/>
+                <a:endParaRPr lang="en-US" sz="2000" i="1" dirty="0">
+                  <a:latin typeface="Cambria Math" panose="02040503050406030204" pitchFamily="18" charset="0"/>
+                </a:endParaRPr>
+              </a:p>
+              <a:p>
+                <a:pPr algn="ctr"/>
+                <a14:m>
+                  <m:oMathPara xmlns:m="http://schemas.openxmlformats.org/officeDocument/2006/math">
+                    <m:oMathParaPr>
+                      <m:jc m:val="centerGroup"/>
+                    </m:oMathParaPr>
+                    <m:oMath xmlns:m="http://schemas.openxmlformats.org/officeDocument/2006/math">
+                      <m:f>
+                        <m:fPr>
+                          <m:ctrlPr>
+                            <a:rPr lang="en-US" sz="2000" b="0" i="1" smtClean="0">
+                              <a:latin typeface="Cambria Math" panose="02040503050406030204" pitchFamily="18" charset="0"/>
+                            </a:rPr>
+                          </m:ctrlPr>
+                        </m:fPr>
+                        <m:num>
+                          <m:r>
+                            <a:rPr lang="en-US" sz="2000" b="0" i="1" smtClean="0">
+                              <a:latin typeface="Cambria Math" panose="02040503050406030204" pitchFamily="18" charset="0"/>
+                            </a:rPr>
+                            <m:t>𝑑</m:t>
+                          </m:r>
+                        </m:num>
+                        <m:den>
+                          <m:r>
+                            <a:rPr lang="en-US" sz="2000" b="0" i="1" smtClean="0">
+                              <a:latin typeface="Cambria Math" panose="02040503050406030204" pitchFamily="18" charset="0"/>
+                            </a:rPr>
+                            <m:t>𝑑𝑡</m:t>
+                          </m:r>
+                        </m:den>
+                      </m:f>
+                    </m:oMath>
+                  </m:oMathPara>
+                </a14:m>
+                <a:endParaRPr lang="en-US" sz="2000" dirty="0"/>
+              </a:p>
+              <a:p>
+                <a:pPr algn="ctr"/>
+                <a:endParaRPr lang="en-US" sz="2000" dirty="0"/>
+              </a:p>
+            </p:txBody>
+          </p:sp>
+        </mc:Choice>
+        <mc:Fallback>
+          <p:sp>
+            <p:nvSpPr>
+              <p:cNvPr id="70" name="Rectangle 69">
+                <a:extLst>
+                  <a:ext uri="{FF2B5EF4-FFF2-40B4-BE49-F238E27FC236}">
+                    <a16:creationId xmlns:a16="http://schemas.microsoft.com/office/drawing/2014/main" id="{893AF722-07F2-6F3B-9EEC-870F60DEF9DB}"/>
+                  </a:ext>
+                </a:extLst>
+              </p:cNvPr>
+              <p:cNvSpPr>
+                <a:spLocks noRot="1" noChangeAspect="1" noMove="1" noResize="1" noEditPoints="1" noAdjustHandles="1" noChangeArrowheads="1" noChangeShapeType="1" noTextEdit="1"/>
+              </p:cNvSpPr>
+              <p:nvPr/>
+            </p:nvSpPr>
+            <p:spPr>
+              <a:xfrm>
+                <a:off x="3057530" y="3929075"/>
+                <a:ext cx="760333" cy="700764"/>
+              </a:xfrm>
+              <a:prstGeom prst="rect">
+                <a:avLst/>
+              </a:prstGeom>
+              <a:blipFill>
+                <a:blip r:embed="rId6"/>
+                <a:stretch>
+                  <a:fillRect/>
+                </a:stretch>
+              </a:blipFill>
+              <a:ln>
+                <a:solidFill>
+                  <a:srgbClr val="FF0000"/>
+                </a:solidFill>
+              </a:ln>
+            </p:spPr>
+            <p:txBody>
+              <a:bodyPr/>
+              <a:lstStyle/>
+              <a:p>
+                <a:r>
+                  <a:rPr lang="en-US">
+                    <a:noFill/>
+                  </a:rPr>
+                  <a:t> </a:t>
+                </a:r>
+              </a:p>
+            </p:txBody>
+          </p:sp>
+        </mc:Fallback>
+      </mc:AlternateContent>
+      <mc:AlternateContent xmlns:mc="http://schemas.openxmlformats.org/markup-compatibility/2006">
+        <mc:Choice xmlns:a14="http://schemas.microsoft.com/office/drawing/2010/main" Requires="a14">
+          <p:sp>
+            <p:nvSpPr>
+              <p:cNvPr id="71" name="Rectangle 70">
+                <a:extLst>
+                  <a:ext uri="{FF2B5EF4-FFF2-40B4-BE49-F238E27FC236}">
+                    <a16:creationId xmlns:a16="http://schemas.microsoft.com/office/drawing/2014/main" id="{C00B07AD-CDDB-463D-7D4C-5B6E3DC86FD8}"/>
+                  </a:ext>
+                </a:extLst>
+              </p:cNvPr>
+              <p:cNvSpPr>
+                <a:spLocks noChangeAspect="1"/>
+              </p:cNvSpPr>
+              <p:nvPr/>
+            </p:nvSpPr>
+            <p:spPr>
+              <a:xfrm>
+                <a:off x="4286128" y="3920741"/>
+                <a:ext cx="760333" cy="700764"/>
+              </a:xfrm>
+              <a:prstGeom prst="rect">
+                <a:avLst/>
+              </a:prstGeom>
+              <a:solidFill>
+                <a:srgbClr val="FF0000"/>
+              </a:solidFill>
+              <a:ln>
+                <a:solidFill>
+                  <a:srgbClr val="FF0000"/>
+                </a:solidFill>
+              </a:ln>
+            </p:spPr>
+            <p:style>
+              <a:lnRef idx="1">
+                <a:schemeClr val="accent1"/>
+              </a:lnRef>
+              <a:fillRef idx="3">
+                <a:schemeClr val="accent1"/>
+              </a:fillRef>
+              <a:effectRef idx="2">
+                <a:schemeClr val="accent1"/>
+              </a:effectRef>
+              <a:fontRef idx="minor">
+                <a:schemeClr val="lt1"/>
+              </a:fontRef>
+            </p:style>
+            <p:txBody>
+              <a:bodyPr rtlCol="0" anchor="ctr"/>
+              <a:lstStyle/>
+              <a:p>
+                <a:pPr algn="ctr"/>
+                <a14:m>
+                  <m:oMathPara xmlns:m="http://schemas.openxmlformats.org/officeDocument/2006/math">
+                    <m:oMathParaPr>
+                      <m:jc m:val="centerGroup"/>
+                    </m:oMathParaPr>
+                    <m:oMath xmlns:m="http://schemas.openxmlformats.org/officeDocument/2006/math">
+                      <m:sSub>
+                        <m:sSubPr>
+                          <m:ctrlPr>
+                            <a:rPr lang="en-US" sz="2400" b="0" i="1" smtClean="0">
+                              <a:latin typeface="Cambria Math" panose="02040503050406030204" pitchFamily="18" charset="0"/>
+                            </a:rPr>
+                          </m:ctrlPr>
+                        </m:sSubPr>
+                        <m:e>
+                          <m:r>
+                            <a:rPr lang="en-US" sz="2400" b="0" i="1" smtClean="0">
+                              <a:latin typeface="Cambria Math" panose="02040503050406030204" pitchFamily="18" charset="0"/>
+                            </a:rPr>
+                            <m:t>𝑘</m:t>
+                          </m:r>
+                        </m:e>
+                        <m:sub>
+                          <m:r>
+                            <a:rPr lang="en-US" sz="2400" b="0" i="1" smtClean="0">
+                              <a:latin typeface="Cambria Math" panose="02040503050406030204" pitchFamily="18" charset="0"/>
+                            </a:rPr>
+                            <m:t>𝐷</m:t>
+                          </m:r>
+                        </m:sub>
+                      </m:sSub>
+                    </m:oMath>
+                  </m:oMathPara>
+                </a14:m>
+                <a:endParaRPr lang="en-US" sz="2400" dirty="0"/>
+              </a:p>
+            </p:txBody>
+          </p:sp>
+        </mc:Choice>
+        <mc:Fallback>
+          <p:sp>
+            <p:nvSpPr>
+              <p:cNvPr id="71" name="Rectangle 70">
+                <a:extLst>
+                  <a:ext uri="{FF2B5EF4-FFF2-40B4-BE49-F238E27FC236}">
+                    <a16:creationId xmlns:a16="http://schemas.microsoft.com/office/drawing/2014/main" id="{C00B07AD-CDDB-463D-7D4C-5B6E3DC86FD8}"/>
+                  </a:ext>
+                </a:extLst>
+              </p:cNvPr>
+              <p:cNvSpPr>
+                <a:spLocks noRot="1" noChangeAspect="1" noMove="1" noResize="1" noEditPoints="1" noAdjustHandles="1" noChangeArrowheads="1" noChangeShapeType="1" noTextEdit="1"/>
+              </p:cNvSpPr>
+              <p:nvPr/>
+            </p:nvSpPr>
+            <p:spPr>
+              <a:xfrm>
+                <a:off x="4286128" y="3920741"/>
+                <a:ext cx="760333" cy="700764"/>
+              </a:xfrm>
+              <a:prstGeom prst="rect">
+                <a:avLst/>
+              </a:prstGeom>
+              <a:blipFill>
+                <a:blip r:embed="rId7"/>
+                <a:stretch>
+                  <a:fillRect/>
+                </a:stretch>
+              </a:blipFill>
+              <a:ln>
+                <a:solidFill>
+                  <a:srgbClr val="FF0000"/>
+                </a:solidFill>
+              </a:ln>
+            </p:spPr>
+            <p:txBody>
+              <a:bodyPr/>
+              <a:lstStyle/>
+              <a:p>
+                <a:r>
+                  <a:rPr lang="en-US">
+                    <a:noFill/>
+                  </a:rPr>
+                  <a:t> </a:t>
+                </a:r>
+              </a:p>
+            </p:txBody>
+          </p:sp>
+        </mc:Fallback>
+      </mc:AlternateContent>
+      <p:cxnSp>
+        <p:nvCxnSpPr>
+          <p:cNvPr id="72" name="Elbow Connector 71">
+            <a:extLst>
+              <a:ext uri="{FF2B5EF4-FFF2-40B4-BE49-F238E27FC236}">
+                <a16:creationId xmlns:a16="http://schemas.microsoft.com/office/drawing/2014/main" id="{EECEA946-90C7-9F62-944A-237C4F0D1BFA}"/>
+              </a:ext>
+            </a:extLst>
+          </p:cNvPr>
+          <p:cNvCxnSpPr>
+            <a:cxnSpLocks/>
+            <a:stCxn id="71" idx="3"/>
+            <a:endCxn id="62" idx="4"/>
+          </p:cNvCxnSpPr>
+          <p:nvPr/>
+        </p:nvCxnSpPr>
+        <p:spPr>
+          <a:xfrm flipV="1">
+            <a:off x="5046461" y="3547600"/>
+            <a:ext cx="592289" cy="723523"/>
+          </a:xfrm>
+          <a:prstGeom prst="bentConnector2">
+            <a:avLst/>
+          </a:prstGeom>
+          <a:ln w="28575">
+            <a:solidFill>
+              <a:srgbClr val="FF0000"/>
+            </a:solidFill>
+            <a:tailEnd type="triangle"/>
+          </a:ln>
+        </p:spPr>
+        <p:style>
+          <a:lnRef idx="1">
+            <a:schemeClr val="accent1"/>
+          </a:lnRef>
+          <a:fillRef idx="0">
+            <a:schemeClr val="accent1"/>
+          </a:fillRef>
+          <a:effectRef idx="0">
+            <a:schemeClr val="accent1"/>
+          </a:effectRef>
+          <a:fontRef idx="minor">
+            <a:schemeClr val="tx1"/>
+          </a:fontRef>
+        </p:style>
+      </p:cxnSp>
+      <p:cxnSp>
+        <p:nvCxnSpPr>
+          <p:cNvPr id="73" name="Elbow Connector 72">
+            <a:extLst>
+              <a:ext uri="{FF2B5EF4-FFF2-40B4-BE49-F238E27FC236}">
+                <a16:creationId xmlns:a16="http://schemas.microsoft.com/office/drawing/2014/main" id="{8E7EAC89-5A79-0C2C-EE18-3A8C8EC16311}"/>
+              </a:ext>
+            </a:extLst>
+          </p:cNvPr>
+          <p:cNvCxnSpPr>
+            <a:cxnSpLocks/>
+            <a:endCxn id="70" idx="1"/>
+          </p:cNvCxnSpPr>
+          <p:nvPr/>
+        </p:nvCxnSpPr>
+        <p:spPr>
+          <a:xfrm>
+            <a:off x="2307391" y="2919731"/>
+            <a:ext cx="750139" cy="1359726"/>
+          </a:xfrm>
+          <a:prstGeom prst="bentConnector3">
+            <a:avLst/>
+          </a:prstGeom>
+          <a:ln w="28575">
+            <a:solidFill>
+              <a:srgbClr val="FF0000"/>
+            </a:solidFill>
+            <a:tailEnd type="triangle"/>
+          </a:ln>
+        </p:spPr>
+        <p:style>
+          <a:lnRef idx="1">
+            <a:schemeClr val="accent1"/>
+          </a:lnRef>
+          <a:fillRef idx="0">
+            <a:schemeClr val="accent1"/>
+          </a:fillRef>
+          <a:effectRef idx="0">
+            <a:schemeClr val="accent1"/>
+          </a:effectRef>
+          <a:fontRef idx="minor">
+            <a:schemeClr val="tx1"/>
+          </a:fontRef>
+        </p:style>
+      </p:cxnSp>
+      <p:sp>
+        <p:nvSpPr>
+          <p:cNvPr id="79" name="TextBox 78">
+            <a:extLst>
+              <a:ext uri="{FF2B5EF4-FFF2-40B4-BE49-F238E27FC236}">
+                <a16:creationId xmlns:a16="http://schemas.microsoft.com/office/drawing/2014/main" id="{3FEECB28-F065-B1C5-804C-4EC00403FE29}"/>
+              </a:ext>
+            </a:extLst>
+          </p:cNvPr>
+          <p:cNvSpPr txBox="1"/>
+          <p:nvPr/>
+        </p:nvSpPr>
+        <p:spPr>
+          <a:xfrm>
+            <a:off x="5581305" y="829643"/>
+            <a:ext cx="1409360" cy="400110"/>
+          </a:xfrm>
+          <a:prstGeom prst="rect">
+            <a:avLst/>
+          </a:prstGeom>
+          <a:noFill/>
+        </p:spPr>
+        <p:txBody>
+          <a:bodyPr wrap="none" rtlCol="0">
+            <a:spAutoFit/>
+          </a:bodyPr>
+          <a:lstStyle/>
+          <a:p>
+            <a:r>
+              <a:rPr lang="en-US" sz="2000" b="1" dirty="0"/>
+              <a:t>PI Control</a:t>
+            </a:r>
+          </a:p>
+        </p:txBody>
+      </p:sp>
+      <p:sp>
+        <p:nvSpPr>
+          <p:cNvPr id="80" name="TextBox 79">
+            <a:extLst>
+              <a:ext uri="{FF2B5EF4-FFF2-40B4-BE49-F238E27FC236}">
+                <a16:creationId xmlns:a16="http://schemas.microsoft.com/office/drawing/2014/main" id="{BEC3C5AB-9DA9-F819-1B74-11C2056B4196}"/>
+              </a:ext>
+            </a:extLst>
+          </p:cNvPr>
+          <p:cNvSpPr txBox="1"/>
+          <p:nvPr/>
+        </p:nvSpPr>
+        <p:spPr>
+          <a:xfrm>
+            <a:off x="3102776" y="1632930"/>
+            <a:ext cx="1875835" cy="461665"/>
+          </a:xfrm>
+          <a:prstGeom prst="rect">
+            <a:avLst/>
+          </a:prstGeom>
+          <a:noFill/>
+        </p:spPr>
+        <p:txBody>
+          <a:bodyPr wrap="none" rtlCol="0">
+            <a:spAutoFit/>
+          </a:bodyPr>
+          <a:lstStyle/>
+          <a:p>
+            <a:r>
+              <a:rPr lang="en-US" sz="2400" b="1" dirty="0"/>
+              <a:t>PID Control</a:t>
+            </a:r>
+          </a:p>
+        </p:txBody>
+      </p:sp>
+      <p:pic>
+        <p:nvPicPr>
+          <p:cNvPr id="4" name="Picture 3">
+            <a:extLst>
+              <a:ext uri="{FF2B5EF4-FFF2-40B4-BE49-F238E27FC236}">
+                <a16:creationId xmlns:a16="http://schemas.microsoft.com/office/drawing/2014/main" id="{0F03BE91-D6EB-8D0A-6D84-702D83C80F58}"/>
+              </a:ext>
+            </a:extLst>
+          </p:cNvPr>
+          <p:cNvPicPr>
+            <a:picLocks noChangeAspect="1"/>
+          </p:cNvPicPr>
+          <p:nvPr/>
+        </p:nvPicPr>
+        <p:blipFill>
+          <a:blip r:embed="rId8"/>
+          <a:stretch>
+            <a:fillRect/>
+          </a:stretch>
+        </p:blipFill>
+        <p:spPr>
+          <a:xfrm>
+            <a:off x="5612942" y="265216"/>
+            <a:ext cx="3073858" cy="879045"/>
+          </a:xfrm>
+          <a:prstGeom prst="rect">
+            <a:avLst/>
+          </a:prstGeom>
+        </p:spPr>
+      </p:pic>
+    </p:spTree>
+    <p:extLst>
+      <p:ext uri="{BB962C8B-B14F-4D97-AF65-F5344CB8AC3E}">
+        <p14:creationId xmlns:p14="http://schemas.microsoft.com/office/powerpoint/2010/main" val="1320152844"/>
+      </p:ext>
+    </p:extLst>
+  </p:cSld>
+  <p:clrMapOvr>
+    <a:masterClrMapping/>
+  </p:clrMapOvr>
+  <p:timing>
+    <p:tnLst>
+      <p:par>
+        <p:cTn id="1" dur="indefinite" restart="never" nodeType="tmRoot">
+          <p:childTnLst>
+            <p:seq concurrent="1" nextAc="seek">
+              <p:cTn id="2" dur="indefinite" nodeType="mainSeq">
+                <p:childTnLst>
+                  <p:par>
+                    <p:cTn id="3" fill="hold">
+                      <p:stCondLst>
+                        <p:cond delay="indefinite"/>
+                        <p:cond evt="onBegin" delay="0">
+                          <p:tn val="2"/>
+                        </p:cond>
+                      </p:stCondLst>
+                      <p:childTnLst>
+                        <p:par>
+                          <p:cTn id="4" fill="hold">
+                            <p:stCondLst>
+                              <p:cond delay="0"/>
+                            </p:stCondLst>
+                            <p:childTnLst>
+                              <p:par>
+                                <p:cTn id="5" presetID="1" presetClass="entr" presetSubtype="0" fill="hold" grpId="0" nodeType="withEffect">
+                                  <p:stCondLst>
+                                    <p:cond delay="0"/>
+                                  </p:stCondLst>
+                                  <p:childTnLst>
+                                    <p:set>
+                                      <p:cBhvr>
+                                        <p:cTn id="6" dur="1" fill="hold">
+                                          <p:stCondLst>
+                                            <p:cond delay="0"/>
+                                          </p:stCondLst>
+                                        </p:cTn>
+                                        <p:tgtEl>
+                                          <p:spTgt spid="79"/>
+                                        </p:tgtEl>
+                                        <p:attrNameLst>
+                                          <p:attrName>style.visibility</p:attrName>
+                                        </p:attrNameLst>
+                                      </p:cBhvr>
+                                      <p:to>
+                                        <p:strVal val="visible"/>
+                                      </p:to>
+                                    </p:set>
+                                  </p:childTnLst>
+                                </p:cTn>
+                              </p:par>
+                            </p:childTnLst>
+                          </p:cTn>
+                        </p:par>
+                      </p:childTnLst>
+                    </p:cTn>
+                  </p:par>
+                  <p:par>
+                    <p:cTn id="7" fill="hold">
+                      <p:stCondLst>
+                        <p:cond delay="indefinite"/>
+                      </p:stCondLst>
+                      <p:childTnLst>
+                        <p:par>
+                          <p:cTn id="8" fill="hold">
+                            <p:stCondLst>
+                              <p:cond delay="0"/>
+                            </p:stCondLst>
+                            <p:childTnLst>
+                              <p:par>
+                                <p:cTn id="9" presetID="1" presetClass="entr" presetSubtype="0" fill="hold" grpId="0" nodeType="clickEffect">
+                                  <p:stCondLst>
+                                    <p:cond delay="0"/>
+                                  </p:stCondLst>
+                                  <p:childTnLst>
+                                    <p:set>
+                                      <p:cBhvr>
+                                        <p:cTn id="10" dur="1" fill="hold">
+                                          <p:stCondLst>
+                                            <p:cond delay="0"/>
+                                          </p:stCondLst>
+                                        </p:cTn>
+                                        <p:tgtEl>
+                                          <p:spTgt spid="54"/>
+                                        </p:tgtEl>
+                                        <p:attrNameLst>
+                                          <p:attrName>style.visibility</p:attrName>
+                                        </p:attrNameLst>
+                                      </p:cBhvr>
+                                      <p:to>
+                                        <p:strVal val="visible"/>
+                                      </p:to>
+                                    </p:set>
+                                  </p:childTnLst>
+                                </p:cTn>
+                              </p:par>
+                              <p:par>
+                                <p:cTn id="11" presetID="1" presetClass="entr" presetSubtype="0" fill="hold" nodeType="withEffect">
+                                  <p:stCondLst>
+                                    <p:cond delay="0"/>
+                                  </p:stCondLst>
+                                  <p:childTnLst>
+                                    <p:set>
+                                      <p:cBhvr>
+                                        <p:cTn id="12" dur="1" fill="hold">
+                                          <p:stCondLst>
+                                            <p:cond delay="0"/>
+                                          </p:stCondLst>
+                                        </p:cTn>
+                                        <p:tgtEl>
+                                          <p:spTgt spid="55"/>
+                                        </p:tgtEl>
+                                        <p:attrNameLst>
+                                          <p:attrName>style.visibility</p:attrName>
+                                        </p:attrNameLst>
+                                      </p:cBhvr>
+                                      <p:to>
+                                        <p:strVal val="visible"/>
+                                      </p:to>
+                                    </p:set>
+                                  </p:childTnLst>
+                                </p:cTn>
+                              </p:par>
+                              <p:par>
+                                <p:cTn id="13" presetID="1" presetClass="entr" presetSubtype="0" fill="hold" grpId="0" nodeType="withEffect">
+                                  <p:stCondLst>
+                                    <p:cond delay="0"/>
+                                  </p:stCondLst>
+                                  <p:childTnLst>
+                                    <p:set>
+                                      <p:cBhvr>
+                                        <p:cTn id="14" dur="1" fill="hold">
+                                          <p:stCondLst>
+                                            <p:cond delay="0"/>
+                                          </p:stCondLst>
+                                        </p:cTn>
+                                        <p:tgtEl>
+                                          <p:spTgt spid="57"/>
+                                        </p:tgtEl>
+                                        <p:attrNameLst>
+                                          <p:attrName>style.visibility</p:attrName>
+                                        </p:attrNameLst>
+                                      </p:cBhvr>
+                                      <p:to>
+                                        <p:strVal val="visible"/>
+                                      </p:to>
+                                    </p:set>
+                                  </p:childTnLst>
+                                </p:cTn>
+                              </p:par>
+                              <p:par>
+                                <p:cTn id="15" presetID="1" presetClass="entr" presetSubtype="0" fill="hold" grpId="0" nodeType="withEffect">
+                                  <p:stCondLst>
+                                    <p:cond delay="0"/>
+                                  </p:stCondLst>
+                                  <p:childTnLst>
+                                    <p:set>
+                                      <p:cBhvr>
+                                        <p:cTn id="16" dur="1" fill="hold">
+                                          <p:stCondLst>
+                                            <p:cond delay="0"/>
+                                          </p:stCondLst>
+                                        </p:cTn>
+                                        <p:tgtEl>
+                                          <p:spTgt spid="58"/>
+                                        </p:tgtEl>
+                                        <p:attrNameLst>
+                                          <p:attrName>style.visibility</p:attrName>
+                                        </p:attrNameLst>
+                                      </p:cBhvr>
+                                      <p:to>
+                                        <p:strVal val="visible"/>
+                                      </p:to>
+                                    </p:set>
+                                  </p:childTnLst>
+                                </p:cTn>
+                              </p:par>
+                              <p:par>
+                                <p:cTn id="17" presetID="1" presetClass="entr" presetSubtype="0" fill="hold" grpId="0" nodeType="withEffect">
+                                  <p:stCondLst>
+                                    <p:cond delay="0"/>
+                                  </p:stCondLst>
+                                  <p:childTnLst>
+                                    <p:set>
+                                      <p:cBhvr>
+                                        <p:cTn id="18" dur="1" fill="hold">
+                                          <p:stCondLst>
+                                            <p:cond delay="0"/>
+                                          </p:stCondLst>
+                                        </p:cTn>
+                                        <p:tgtEl>
+                                          <p:spTgt spid="59"/>
+                                        </p:tgtEl>
+                                        <p:attrNameLst>
+                                          <p:attrName>style.visibility</p:attrName>
+                                        </p:attrNameLst>
+                                      </p:cBhvr>
+                                      <p:to>
+                                        <p:strVal val="visible"/>
+                                      </p:to>
+                                    </p:set>
+                                  </p:childTnLst>
+                                </p:cTn>
+                              </p:par>
+                              <p:par>
+                                <p:cTn id="19" presetID="1" presetClass="entr" presetSubtype="0" fill="hold" grpId="0" nodeType="withEffect">
+                                  <p:stCondLst>
+                                    <p:cond delay="0"/>
+                                  </p:stCondLst>
+                                  <p:childTnLst>
+                                    <p:set>
+                                      <p:cBhvr>
+                                        <p:cTn id="20" dur="1" fill="hold">
+                                          <p:stCondLst>
+                                            <p:cond delay="0"/>
+                                          </p:stCondLst>
+                                        </p:cTn>
+                                        <p:tgtEl>
+                                          <p:spTgt spid="60"/>
+                                        </p:tgtEl>
+                                        <p:attrNameLst>
+                                          <p:attrName>style.visibility</p:attrName>
+                                        </p:attrNameLst>
+                                      </p:cBhvr>
+                                      <p:to>
+                                        <p:strVal val="visible"/>
+                                      </p:to>
+                                    </p:set>
+                                  </p:childTnLst>
+                                </p:cTn>
+                              </p:par>
+                              <p:par>
+                                <p:cTn id="21" presetID="1" presetClass="entr" presetSubtype="0" fill="hold" grpId="0" nodeType="withEffect">
+                                  <p:stCondLst>
+                                    <p:cond delay="0"/>
+                                  </p:stCondLst>
+                                  <p:childTnLst>
+                                    <p:set>
+                                      <p:cBhvr>
+                                        <p:cTn id="22" dur="1" fill="hold">
+                                          <p:stCondLst>
+                                            <p:cond delay="0"/>
+                                          </p:stCondLst>
+                                        </p:cTn>
+                                        <p:tgtEl>
+                                          <p:spTgt spid="61"/>
+                                        </p:tgtEl>
+                                        <p:attrNameLst>
+                                          <p:attrName>style.visibility</p:attrName>
+                                        </p:attrNameLst>
+                                      </p:cBhvr>
+                                      <p:to>
+                                        <p:strVal val="visible"/>
+                                      </p:to>
+                                    </p:set>
+                                  </p:childTnLst>
+                                </p:cTn>
+                              </p:par>
+                              <p:par>
+                                <p:cTn id="23" presetID="1" presetClass="entr" presetSubtype="0" fill="hold" grpId="0" nodeType="withEffect">
+                                  <p:stCondLst>
+                                    <p:cond delay="0"/>
+                                  </p:stCondLst>
+                                  <p:childTnLst>
+                                    <p:set>
+                                      <p:cBhvr>
+                                        <p:cTn id="24" dur="1" fill="hold">
+                                          <p:stCondLst>
+                                            <p:cond delay="0"/>
+                                          </p:stCondLst>
+                                        </p:cTn>
+                                        <p:tgtEl>
+                                          <p:spTgt spid="62"/>
+                                        </p:tgtEl>
+                                        <p:attrNameLst>
+                                          <p:attrName>style.visibility</p:attrName>
+                                        </p:attrNameLst>
+                                      </p:cBhvr>
+                                      <p:to>
+                                        <p:strVal val="visible"/>
+                                      </p:to>
+                                    </p:set>
+                                  </p:childTnLst>
+                                </p:cTn>
+                              </p:par>
+                              <p:par>
+                                <p:cTn id="25" presetID="1" presetClass="entr" presetSubtype="0" fill="hold" nodeType="withEffect">
+                                  <p:stCondLst>
+                                    <p:cond delay="0"/>
+                                  </p:stCondLst>
+                                  <p:childTnLst>
+                                    <p:set>
+                                      <p:cBhvr>
+                                        <p:cTn id="26" dur="1" fill="hold">
+                                          <p:stCondLst>
+                                            <p:cond delay="0"/>
+                                          </p:stCondLst>
+                                        </p:cTn>
+                                        <p:tgtEl>
+                                          <p:spTgt spid="63"/>
+                                        </p:tgtEl>
+                                        <p:attrNameLst>
+                                          <p:attrName>style.visibility</p:attrName>
+                                        </p:attrNameLst>
+                                      </p:cBhvr>
+                                      <p:to>
+                                        <p:strVal val="visible"/>
+                                      </p:to>
+                                    </p:set>
+                                  </p:childTnLst>
+                                </p:cTn>
+                              </p:par>
+                              <p:par>
+                                <p:cTn id="27" presetID="1" presetClass="entr" presetSubtype="0" fill="hold" nodeType="withEffect">
+                                  <p:stCondLst>
+                                    <p:cond delay="0"/>
+                                  </p:stCondLst>
+                                  <p:childTnLst>
+                                    <p:set>
+                                      <p:cBhvr>
+                                        <p:cTn id="28" dur="1" fill="hold">
+                                          <p:stCondLst>
+                                            <p:cond delay="0"/>
+                                          </p:stCondLst>
+                                        </p:cTn>
+                                        <p:tgtEl>
+                                          <p:spTgt spid="64"/>
+                                        </p:tgtEl>
+                                        <p:attrNameLst>
+                                          <p:attrName>style.visibility</p:attrName>
+                                        </p:attrNameLst>
+                                      </p:cBhvr>
+                                      <p:to>
+                                        <p:strVal val="visible"/>
+                                      </p:to>
+                                    </p:set>
+                                  </p:childTnLst>
+                                </p:cTn>
+                              </p:par>
+                              <p:par>
+                                <p:cTn id="29" presetID="1" presetClass="entr" presetSubtype="0" fill="hold" nodeType="withEffect">
+                                  <p:stCondLst>
+                                    <p:cond delay="0"/>
+                                  </p:stCondLst>
+                                  <p:childTnLst>
+                                    <p:set>
+                                      <p:cBhvr>
+                                        <p:cTn id="30" dur="1" fill="hold">
+                                          <p:stCondLst>
+                                            <p:cond delay="0"/>
+                                          </p:stCondLst>
+                                        </p:cTn>
+                                        <p:tgtEl>
+                                          <p:spTgt spid="65"/>
+                                        </p:tgtEl>
+                                        <p:attrNameLst>
+                                          <p:attrName>style.visibility</p:attrName>
+                                        </p:attrNameLst>
+                                      </p:cBhvr>
+                                      <p:to>
+                                        <p:strVal val="visible"/>
+                                      </p:to>
+                                    </p:set>
+                                  </p:childTnLst>
+                                </p:cTn>
+                              </p:par>
+                              <p:par>
+                                <p:cTn id="31" presetID="1" presetClass="entr" presetSubtype="0" fill="hold" nodeType="withEffect">
+                                  <p:stCondLst>
+                                    <p:cond delay="0"/>
+                                  </p:stCondLst>
+                                  <p:childTnLst>
+                                    <p:set>
+                                      <p:cBhvr>
+                                        <p:cTn id="32" dur="1" fill="hold">
+                                          <p:stCondLst>
+                                            <p:cond delay="0"/>
+                                          </p:stCondLst>
+                                        </p:cTn>
+                                        <p:tgtEl>
+                                          <p:spTgt spid="66"/>
+                                        </p:tgtEl>
+                                        <p:attrNameLst>
+                                          <p:attrName>style.visibility</p:attrName>
+                                        </p:attrNameLst>
+                                      </p:cBhvr>
+                                      <p:to>
+                                        <p:strVal val="visible"/>
+                                      </p:to>
+                                    </p:set>
+                                  </p:childTnLst>
+                                </p:cTn>
+                              </p:par>
+                              <p:par>
+                                <p:cTn id="33" presetID="1" presetClass="entr" presetSubtype="0" fill="hold" nodeType="withEffect">
+                                  <p:stCondLst>
+                                    <p:cond delay="0"/>
+                                  </p:stCondLst>
+                                  <p:childTnLst>
+                                    <p:set>
+                                      <p:cBhvr>
+                                        <p:cTn id="34" dur="1" fill="hold">
+                                          <p:stCondLst>
+                                            <p:cond delay="0"/>
+                                          </p:stCondLst>
+                                        </p:cTn>
+                                        <p:tgtEl>
+                                          <p:spTgt spid="67"/>
+                                        </p:tgtEl>
+                                        <p:attrNameLst>
+                                          <p:attrName>style.visibility</p:attrName>
+                                        </p:attrNameLst>
+                                      </p:cBhvr>
+                                      <p:to>
+                                        <p:strVal val="visible"/>
+                                      </p:to>
+                                    </p:set>
+                                  </p:childTnLst>
+                                </p:cTn>
+                              </p:par>
+                              <p:par>
+                                <p:cTn id="35" presetID="1" presetClass="entr" presetSubtype="0" fill="hold" nodeType="withEffect">
+                                  <p:stCondLst>
+                                    <p:cond delay="0"/>
+                                  </p:stCondLst>
+                                  <p:childTnLst>
+                                    <p:set>
+                                      <p:cBhvr>
+                                        <p:cTn id="36" dur="1" fill="hold">
+                                          <p:stCondLst>
+                                            <p:cond delay="0"/>
+                                          </p:stCondLst>
+                                        </p:cTn>
+                                        <p:tgtEl>
+                                          <p:spTgt spid="69"/>
+                                        </p:tgtEl>
+                                        <p:attrNameLst>
+                                          <p:attrName>style.visibility</p:attrName>
+                                        </p:attrNameLst>
+                                      </p:cBhvr>
+                                      <p:to>
+                                        <p:strVal val="visible"/>
+                                      </p:to>
+                                    </p:set>
+                                  </p:childTnLst>
+                                </p:cTn>
+                              </p:par>
+                              <p:par>
+                                <p:cTn id="37" presetID="1" presetClass="entr" presetSubtype="0" fill="hold" grpId="0" nodeType="withEffect">
+                                  <p:stCondLst>
+                                    <p:cond delay="0"/>
+                                  </p:stCondLst>
+                                  <p:childTnLst>
+                                    <p:set>
+                                      <p:cBhvr>
+                                        <p:cTn id="38" dur="1" fill="hold">
+                                          <p:stCondLst>
+                                            <p:cond delay="0"/>
+                                          </p:stCondLst>
+                                        </p:cTn>
+                                        <p:tgtEl>
+                                          <p:spTgt spid="70"/>
+                                        </p:tgtEl>
+                                        <p:attrNameLst>
+                                          <p:attrName>style.visibility</p:attrName>
+                                        </p:attrNameLst>
+                                      </p:cBhvr>
+                                      <p:to>
+                                        <p:strVal val="visible"/>
+                                      </p:to>
+                                    </p:set>
+                                  </p:childTnLst>
+                                </p:cTn>
+                              </p:par>
+                              <p:par>
+                                <p:cTn id="39" presetID="1" presetClass="entr" presetSubtype="0" fill="hold" grpId="0" nodeType="withEffect">
+                                  <p:stCondLst>
+                                    <p:cond delay="0"/>
+                                  </p:stCondLst>
+                                  <p:childTnLst>
+                                    <p:set>
+                                      <p:cBhvr>
+                                        <p:cTn id="40" dur="1" fill="hold">
+                                          <p:stCondLst>
+                                            <p:cond delay="0"/>
+                                          </p:stCondLst>
+                                        </p:cTn>
+                                        <p:tgtEl>
+                                          <p:spTgt spid="71"/>
+                                        </p:tgtEl>
+                                        <p:attrNameLst>
+                                          <p:attrName>style.visibility</p:attrName>
+                                        </p:attrNameLst>
+                                      </p:cBhvr>
+                                      <p:to>
+                                        <p:strVal val="visible"/>
+                                      </p:to>
+                                    </p:set>
+                                  </p:childTnLst>
+                                </p:cTn>
+                              </p:par>
+                              <p:par>
+                                <p:cTn id="41" presetID="1" presetClass="entr" presetSubtype="0" fill="hold" nodeType="withEffect">
+                                  <p:stCondLst>
+                                    <p:cond delay="0"/>
+                                  </p:stCondLst>
+                                  <p:childTnLst>
+                                    <p:set>
+                                      <p:cBhvr>
+                                        <p:cTn id="42" dur="1" fill="hold">
+                                          <p:stCondLst>
+                                            <p:cond delay="0"/>
+                                          </p:stCondLst>
+                                        </p:cTn>
+                                        <p:tgtEl>
+                                          <p:spTgt spid="72"/>
+                                        </p:tgtEl>
+                                        <p:attrNameLst>
+                                          <p:attrName>style.visibility</p:attrName>
+                                        </p:attrNameLst>
+                                      </p:cBhvr>
+                                      <p:to>
+                                        <p:strVal val="visible"/>
+                                      </p:to>
+                                    </p:set>
+                                  </p:childTnLst>
+                                </p:cTn>
+                              </p:par>
+                              <p:par>
+                                <p:cTn id="43" presetID="1" presetClass="entr" presetSubtype="0" fill="hold" nodeType="withEffect">
+                                  <p:stCondLst>
+                                    <p:cond delay="0"/>
+                                  </p:stCondLst>
+                                  <p:childTnLst>
+                                    <p:set>
+                                      <p:cBhvr>
+                                        <p:cTn id="44" dur="1" fill="hold">
+                                          <p:stCondLst>
+                                            <p:cond delay="0"/>
+                                          </p:stCondLst>
+                                        </p:cTn>
+                                        <p:tgtEl>
+                                          <p:spTgt spid="73"/>
+                                        </p:tgtEl>
+                                        <p:attrNameLst>
+                                          <p:attrName>style.visibility</p:attrName>
+                                        </p:attrNameLst>
+                                      </p:cBhvr>
+                                      <p:to>
+                                        <p:strVal val="visible"/>
+                                      </p:to>
+                                    </p:set>
+                                  </p:childTnLst>
+                                </p:cTn>
+                              </p:par>
+                              <p:par>
+                                <p:cTn id="45" presetID="1" presetClass="entr" presetSubtype="0" fill="hold" grpId="0" nodeType="withEffect">
+                                  <p:stCondLst>
+                                    <p:cond delay="0"/>
+                                  </p:stCondLst>
+                                  <p:childTnLst>
+                                    <p:set>
+                                      <p:cBhvr>
+                                        <p:cTn id="46" dur="1" fill="hold">
+                                          <p:stCondLst>
+                                            <p:cond delay="0"/>
+                                          </p:stCondLst>
+                                        </p:cTn>
+                                        <p:tgtEl>
+                                          <p:spTgt spid="80"/>
+                                        </p:tgtEl>
+                                        <p:attrNameLst>
+                                          <p:attrName>style.visibility</p:attrName>
+                                        </p:attrNameLst>
+                                      </p:cBhvr>
+                                      <p:to>
+                                        <p:strVal val="visible"/>
+                                      </p:to>
+                                    </p:set>
+                                  </p:childTnLst>
+                                </p:cTn>
+                              </p:par>
+                            </p:childTnLst>
+                          </p:cTn>
+                        </p:par>
+                      </p:childTnLst>
+                    </p:cTn>
+                  </p:par>
+                </p:childTnLst>
+              </p:cTn>
+              <p:prevCondLst>
+                <p:cond evt="onPrev" delay="0">
+                  <p:tgtEl>
+                    <p:sldTgt/>
+                  </p:tgtEl>
+                </p:cond>
+              </p:prevCondLst>
+              <p:nextCondLst>
+                <p:cond evt="onNext" delay="0">
+                  <p:tgtEl>
+                    <p:sldTgt/>
+                  </p:tgtEl>
+                </p:cond>
+              </p:nextCondLst>
+            </p:seq>
+          </p:childTnLst>
+        </p:cTn>
+      </p:par>
+    </p:tnLst>
+    <p:bldLst>
+      <p:bldP spid="54" grpId="0"/>
+      <p:bldP spid="57" grpId="0" animBg="1"/>
+      <p:bldP spid="58" grpId="0" animBg="1"/>
+      <p:bldP spid="59" grpId="0" animBg="1"/>
+      <p:bldP spid="60" grpId="0" animBg="1"/>
+      <p:bldP spid="61" grpId="0"/>
+      <p:bldP spid="62" grpId="0" animBg="1"/>
+      <p:bldP spid="70" grpId="0" animBg="1"/>
+      <p:bldP spid="71" grpId="0" animBg="1"/>
+      <p:bldP spid="79" grpId="0"/>
+      <p:bldP spid="80" grpId="0"/>
+    </p:bldLst>
+  </p:timing>
+</p:sld>
+</file>
+
+<file path=ppt/slides/slide14.xml><?xml version="1.0" encoding="utf-8"?>
+<p:sld xmlns:a="http://schemas.openxmlformats.org/drawingml/2006/main" xmlns:r="http://schemas.openxmlformats.org/officeDocument/2006/relationships" xmlns:p="http://schemas.openxmlformats.org/presentationml/2006/main">
+  <p:cSld>
+    <p:spTree>
+      <p:nvGrpSpPr>
         <p:cNvPr id="1" name=""/>
         <p:cNvGrpSpPr/>
         <p:nvPr/>
@@ -20965,7 +23226,7 @@
             </a:pPr>
             <a:fld id="{00000000-1234-1234-1234-123412341234}" type="slidenum">
               <a:rPr lang="en-US" smtClean="0"/>
-              <a:t>13</a:t>
+              <a:t>14</a:t>
             </a:fld>
             <a:endParaRPr lang="en-US"/>
           </a:p>
@@ -22038,8 +24299,8 @@
           </a:p>
         </p:txBody>
       </p:sp>
-      <mc:AlternateContent xmlns:mc="http://schemas.openxmlformats.org/markup-compatibility/2006">
-        <mc:Choice xmlns:a14="http://schemas.microsoft.com/office/drawing/2010/main" Requires="a14">
+      <mc:AlternateContent xmlns:mc="http://schemas.openxmlformats.org/markup-compatibility/2006" xmlns:a14="http://schemas.microsoft.com/office/drawing/2010/main">
+        <mc:Choice Requires="a14">
           <p:sp>
             <p:nvSpPr>
               <p:cNvPr id="33" name="TextBox 32">
@@ -22197,7 +24458,7 @@
             </p:txBody>
           </p:sp>
         </mc:Choice>
-        <mc:Fallback>
+        <mc:Fallback xmlns="">
           <p:sp>
             <p:nvSpPr>
               <p:cNvPr id="33" name="TextBox 32">
@@ -22242,8 +24503,8 @@
           </p:sp>
         </mc:Fallback>
       </mc:AlternateContent>
-      <mc:AlternateContent xmlns:mc="http://schemas.openxmlformats.org/markup-compatibility/2006">
-        <mc:Choice xmlns:a14="http://schemas.microsoft.com/office/drawing/2010/main" Requires="a14">
+      <mc:AlternateContent xmlns:mc="http://schemas.openxmlformats.org/markup-compatibility/2006" xmlns:a14="http://schemas.microsoft.com/office/drawing/2010/main">
+        <mc:Choice Requires="a14">
           <p:sp>
             <p:nvSpPr>
               <p:cNvPr id="35" name="TextBox 34">
@@ -22444,7 +24705,7 @@
             </p:txBody>
           </p:sp>
         </mc:Choice>
-        <mc:Fallback>
+        <mc:Fallback xmlns="">
           <p:sp>
             <p:nvSpPr>
               <p:cNvPr id="35" name="TextBox 34">
